--- a/DrinkIt.WebApp/Artifacts/Final-Documentação do projeto.pptx
+++ b/DrinkIt.WebApp/Artifacts/Final-Documentação do projeto.pptx
@@ -266,7 +266,7 @@
           <a:p>
             <a:fld id="{E8193099-BB5D-41E9-8525-DEB4B6EB05C6}" type="datetimeFigureOut">
               <a:rPr lang="pt-BR" smtClean="0"/>
-              <a:t>18/11/2019</a:t>
+              <a:t>02/12/2019</a:t>
             </a:fld>
             <a:endParaRPr lang="pt-BR"/>
           </a:p>
@@ -477,7 +477,7 @@
           <a:p>
             <a:fld id="{E8193099-BB5D-41E9-8525-DEB4B6EB05C6}" type="datetimeFigureOut">
               <a:rPr lang="pt-BR" smtClean="0"/>
-              <a:t>18/11/2019</a:t>
+              <a:t>02/12/2019</a:t>
             </a:fld>
             <a:endParaRPr lang="pt-BR"/>
           </a:p>
@@ -692,7 +692,7 @@
           <a:p>
             <a:fld id="{E8193099-BB5D-41E9-8525-DEB4B6EB05C6}" type="datetimeFigureOut">
               <a:rPr lang="pt-BR" smtClean="0"/>
-              <a:t>18/11/2019</a:t>
+              <a:t>02/12/2019</a:t>
             </a:fld>
             <a:endParaRPr lang="pt-BR"/>
           </a:p>
@@ -893,7 +893,7 @@
           <a:p>
             <a:fld id="{E8193099-BB5D-41E9-8525-DEB4B6EB05C6}" type="datetimeFigureOut">
               <a:rPr lang="pt-BR" smtClean="0"/>
-              <a:t>18/11/2019</a:t>
+              <a:t>02/12/2019</a:t>
             </a:fld>
             <a:endParaRPr lang="pt-BR"/>
           </a:p>
@@ -1172,7 +1172,7 @@
           <a:p>
             <a:fld id="{E8193099-BB5D-41E9-8525-DEB4B6EB05C6}" type="datetimeFigureOut">
               <a:rPr lang="pt-BR" smtClean="0"/>
-              <a:t>18/11/2019</a:t>
+              <a:t>02/12/2019</a:t>
             </a:fld>
             <a:endParaRPr lang="pt-BR"/>
           </a:p>
@@ -1440,7 +1440,7 @@
           <a:p>
             <a:fld id="{E8193099-BB5D-41E9-8525-DEB4B6EB05C6}" type="datetimeFigureOut">
               <a:rPr lang="pt-BR" smtClean="0"/>
-              <a:t>18/11/2019</a:t>
+              <a:t>02/12/2019</a:t>
             </a:fld>
             <a:endParaRPr lang="pt-BR"/>
           </a:p>
@@ -1856,7 +1856,7 @@
           <a:p>
             <a:fld id="{E8193099-BB5D-41E9-8525-DEB4B6EB05C6}" type="datetimeFigureOut">
               <a:rPr lang="pt-BR" smtClean="0"/>
-              <a:t>18/11/2019</a:t>
+              <a:t>02/12/2019</a:t>
             </a:fld>
             <a:endParaRPr lang="pt-BR"/>
           </a:p>
@@ -2005,7 +2005,7 @@
           <a:p>
             <a:fld id="{E8193099-BB5D-41E9-8525-DEB4B6EB05C6}" type="datetimeFigureOut">
               <a:rPr lang="pt-BR" smtClean="0"/>
-              <a:t>18/11/2019</a:t>
+              <a:t>02/12/2019</a:t>
             </a:fld>
             <a:endParaRPr lang="pt-BR"/>
           </a:p>
@@ -2131,7 +2131,7 @@
           <a:p>
             <a:fld id="{E8193099-BB5D-41E9-8525-DEB4B6EB05C6}" type="datetimeFigureOut">
               <a:rPr lang="pt-BR" smtClean="0"/>
-              <a:t>18/11/2019</a:t>
+              <a:t>02/12/2019</a:t>
             </a:fld>
             <a:endParaRPr lang="pt-BR"/>
           </a:p>
@@ -2382,7 +2382,7 @@
           <a:p>
             <a:fld id="{E8193099-BB5D-41E9-8525-DEB4B6EB05C6}" type="datetimeFigureOut">
               <a:rPr lang="pt-BR" smtClean="0"/>
-              <a:t>18/11/2019</a:t>
+              <a:t>02/12/2019</a:t>
             </a:fld>
             <a:endParaRPr lang="pt-BR"/>
           </a:p>
@@ -2827,7 +2827,7 @@
           <a:p>
             <a:fld id="{E8193099-BB5D-41E9-8525-DEB4B6EB05C6}" type="datetimeFigureOut">
               <a:rPr lang="pt-BR" smtClean="0"/>
-              <a:t>18/11/2019</a:t>
+              <a:t>02/12/2019</a:t>
             </a:fld>
             <a:endParaRPr lang="pt-BR"/>
           </a:p>
@@ -3154,7 +3154,7 @@
           <a:p>
             <a:fld id="{E8193099-BB5D-41E9-8525-DEB4B6EB05C6}" type="datetimeFigureOut">
               <a:rPr lang="pt-BR" smtClean="0"/>
-              <a:t>18/11/2019</a:t>
+              <a:t>02/12/2019</a:t>
             </a:fld>
             <a:endParaRPr lang="pt-BR"/>
           </a:p>
@@ -3749,7 +3749,7 @@
           <p:nvPr>
             <p:extLst>
               <p:ext uri="{D42A27DB-BD31-4B8C-83A1-F6EECF244321}">
-                <p14:modId xmlns:p14="http://schemas.microsoft.com/office/powerpoint/2010/main" val="1025353382"/>
+                <p14:modId xmlns:p14="http://schemas.microsoft.com/office/powerpoint/2010/main" val="2578988684"/>
               </p:ext>
             </p:extLst>
           </p:nvPr>
@@ -3874,7 +3874,37 @@
                         <a:rPr lang="pt-BR" sz="1600" dirty="0">
                           <a:effectLst/>
                         </a:rPr>
-                        <a:t>Todo jogo após cadastrado deverá ser associado a um grupo de precificação onde o valor deverá ter como base a margem de lucro parametrizado para o grupo definido no cadastro do jogo.</a:t>
+                        <a:t>Toda bebida, quando cadastrada, deve ser associada com um tipo de bebida, o qual </a:t>
+                      </a:r>
+                      <a:r>
+                        <a:rPr lang="pt-BR" sz="1600" kern="1200" dirty="0">
+                          <a:solidFill>
+                            <a:schemeClr val="dk1"/>
+                          </a:solidFill>
+                          <a:effectLst/>
+                          <a:latin typeface="+mn-lt"/>
+                          <a:ea typeface="+mn-ea"/>
+                          <a:cs typeface="+mn-cs"/>
+                        </a:rPr>
+                        <a:t>estará</a:t>
+                      </a:r>
+                      <a:r>
+                        <a:rPr lang="pt-BR" sz="1800" kern="1200" dirty="0">
+                          <a:solidFill>
+                            <a:schemeClr val="dk1"/>
+                          </a:solidFill>
+                          <a:effectLst/>
+                          <a:latin typeface="+mn-lt"/>
+                          <a:ea typeface="+mn-ea"/>
+                          <a:cs typeface="+mn-cs"/>
+                        </a:rPr>
+                        <a:t> </a:t>
+                      </a:r>
+                      <a:r>
+                        <a:rPr lang="pt-BR" sz="1600" dirty="0">
+                          <a:effectLst/>
+                        </a:rPr>
+                        <a:t>associado com um grupo de precificação.</a:t>
                       </a:r>
                       <a:endParaRPr lang="pt-BR" sz="1600" dirty="0">
                         <a:solidFill>
@@ -5211,14 +5241,14 @@
           <p:nvPr>
             <p:extLst>
               <p:ext uri="{D42A27DB-BD31-4B8C-83A1-F6EECF244321}">
-                <p14:modId xmlns:p14="http://schemas.microsoft.com/office/powerpoint/2010/main" val="1727366149"/>
+                <p14:modId xmlns:p14="http://schemas.microsoft.com/office/powerpoint/2010/main" val="1745083836"/>
               </p:ext>
             </p:extLst>
           </p:nvPr>
         </p:nvGraphicFramePr>
         <p:xfrm>
-          <a:off x="1240423" y="1316935"/>
-          <a:ext cx="9711153" cy="4224129"/>
+          <a:off x="1240423" y="667069"/>
+          <a:ext cx="9711153" cy="5523861"/>
         </p:xfrm>
         <a:graphic>
           <a:graphicData uri="http://schemas.openxmlformats.org/drawingml/2006/table">
@@ -5759,6 +5789,147 @@
                 <a:extLst>
                   <a:ext uri="{0D108BD9-81ED-4DB2-BD59-A6C34878D82A}">
                     <a16:rowId xmlns:a16="http://schemas.microsoft.com/office/drawing/2014/main" val="4225439918"/>
+                  </a:ext>
+                </a:extLst>
+              </a:tr>
+              <a:tr h="1299732">
+                <a:tc>
+                  <a:txBody>
+                    <a:bodyPr/>
+                    <a:lstStyle/>
+                    <a:p>
+                      <a:pPr>
+                        <a:spcAft>
+                          <a:spcPts val="0"/>
+                        </a:spcAft>
+                        <a:tabLst>
+                          <a:tab pos="5626100" algn="l"/>
+                        </a:tabLst>
+                      </a:pPr>
+                      <a:r>
+                        <a:rPr lang="pt-BR" sz="1600" dirty="0">
+                          <a:solidFill>
+                            <a:srgbClr val="000000"/>
+                          </a:solidFill>
+                          <a:effectLst/>
+                          <a:latin typeface="+mn-lt"/>
+                          <a:ea typeface="Arial" panose="020B0604020202020204" pitchFamily="34" charset="0"/>
+                        </a:rPr>
+                        <a:t>RN0029</a:t>
+                      </a:r>
+                    </a:p>
+                  </a:txBody>
+                  <a:tcPr marL="68580" marR="68580" marT="0" marB="0"/>
+                </a:tc>
+                <a:tc>
+                  <a:txBody>
+                    <a:bodyPr/>
+                    <a:lstStyle/>
+                    <a:p>
+                      <a:pPr>
+                        <a:spcAft>
+                          <a:spcPts val="0"/>
+                        </a:spcAft>
+                        <a:tabLst>
+                          <a:tab pos="5626100" algn="l"/>
+                        </a:tabLst>
+                      </a:pPr>
+                      <a:r>
+                        <a:rPr lang="pt-BR" sz="1600" dirty="0">
+                          <a:solidFill>
+                            <a:srgbClr val="000000"/>
+                          </a:solidFill>
+                          <a:effectLst/>
+                          <a:latin typeface="+mn-lt"/>
+                          <a:ea typeface="Arial" panose="020B0604020202020204" pitchFamily="34" charset="0"/>
+                        </a:rPr>
+                        <a:t>Idade do Cliente</a:t>
+                      </a:r>
+                    </a:p>
+                  </a:txBody>
+                  <a:tcPr marL="68580" marR="68580" marT="0" marB="0"/>
+                </a:tc>
+                <a:tc>
+                  <a:txBody>
+                    <a:bodyPr/>
+                    <a:lstStyle/>
+                    <a:p>
+                      <a:pPr>
+                        <a:spcAft>
+                          <a:spcPts val="0"/>
+                        </a:spcAft>
+                        <a:tabLst>
+                          <a:tab pos="5626100" algn="l"/>
+                        </a:tabLst>
+                      </a:pPr>
+                      <a:r>
+                        <a:rPr lang="pt-BR" sz="1600" dirty="0">
+                          <a:solidFill>
+                            <a:srgbClr val="000000"/>
+                          </a:solidFill>
+                          <a:effectLst/>
+                          <a:latin typeface="+mn-lt"/>
+                          <a:ea typeface="Arial" panose="020B0604020202020204" pitchFamily="34" charset="0"/>
+                        </a:rPr>
+                        <a:t>A idade de todo </a:t>
+                      </a:r>
+                      <a:r>
+                        <a:rPr lang="pt-BR" sz="1600">
+                          <a:solidFill>
+                            <a:srgbClr val="000000"/>
+                          </a:solidFill>
+                          <a:effectLst/>
+                          <a:latin typeface="+mn-lt"/>
+                          <a:ea typeface="Arial" panose="020B0604020202020204" pitchFamily="34" charset="0"/>
+                        </a:rPr>
+                        <a:t>cliente cadastrado deve </a:t>
+                      </a:r>
+                      <a:r>
+                        <a:rPr lang="pt-BR" sz="1600" dirty="0">
+                          <a:solidFill>
+                            <a:srgbClr val="000000"/>
+                          </a:solidFill>
+                          <a:effectLst/>
+                          <a:latin typeface="+mn-lt"/>
+                          <a:ea typeface="Arial" panose="020B0604020202020204" pitchFamily="34" charset="0"/>
+                        </a:rPr>
+                        <a:t>ser maior ou igual a 18 anos.</a:t>
+                      </a:r>
+                    </a:p>
+                  </a:txBody>
+                  <a:tcPr marL="68580" marR="68580" marT="0" marB="0"/>
+                </a:tc>
+                <a:tc>
+                  <a:txBody>
+                    <a:bodyPr/>
+                    <a:lstStyle/>
+                    <a:p>
+                      <a:pPr>
+                        <a:spcAft>
+                          <a:spcPts val="0"/>
+                        </a:spcAft>
+                        <a:tabLst>
+                          <a:tab pos="5626100" algn="l"/>
+                        </a:tabLst>
+                      </a:pPr>
+                      <a:r>
+                        <a:rPr lang="pt-BR" sz="1600" dirty="0">
+                          <a:solidFill>
+                            <a:srgbClr val="000000"/>
+                          </a:solidFill>
+                          <a:effectLst/>
+                          <a:latin typeface="+mn-lt"/>
+                          <a:ea typeface="Arial" panose="020B0604020202020204" pitchFamily="34" charset="0"/>
+                        </a:rPr>
+                        <a:t>OK</a:t>
+                      </a:r>
+                    </a:p>
+                  </a:txBody>
+                  <a:tcPr marL="68580" marR="68580" marT="0" marB="0"/>
+                </a:tc>
+                <a:extLst>
+                  <a:ext uri="{0D108BD9-81ED-4DB2-BD59-A6C34878D82A}">
+                    <a16:rowId xmlns:a16="http://schemas.microsoft.com/office/drawing/2014/main" val="4096672740"/>
                   </a:ext>
                 </a:extLst>
               </a:tr>
@@ -7330,7 +7501,7 @@
           <p:nvPr>
             <p:extLst>
               <p:ext uri="{D42A27DB-BD31-4B8C-83A1-F6EECF244321}">
-                <p14:modId xmlns:p14="http://schemas.microsoft.com/office/powerpoint/2010/main" val="2863610108"/>
+                <p14:modId xmlns:p14="http://schemas.microsoft.com/office/powerpoint/2010/main" val="597064531"/>
               </p:ext>
             </p:extLst>
           </p:nvPr>
@@ -8051,7 +8222,7 @@
                           <a:latin typeface="Arial" panose="020B0604020202020204" pitchFamily="34" charset="0"/>
                           <a:ea typeface="Arial" panose="020B0604020202020204" pitchFamily="34" charset="0"/>
                         </a:rPr>
-                        <a:t>-</a:t>
+                        <a:t>OK</a:t>
                       </a:r>
                     </a:p>
                   </a:txBody>
